--- a/Open a Restaurant In London - Presentation.pptx
+++ b/Open a Restaurant In London - Presentation.pptx
@@ -35864,8 +35864,13 @@
           <a:p>
             <a:r>
               <a:rPr lang="en-US" dirty="0"/>
-              <a:t>Built a generic categorization model for cities, to generate an overview of a city</a:t>
+              <a:t>Built a generic categorization model for cities, To help user to get familiar with </a:t>
             </a:r>
+            <a:r>
+              <a:rPr lang="en-US"/>
+              <a:t>this city.</a:t>
+            </a:r>
+            <a:endParaRPr lang="en-US" dirty="0"/>
           </a:p>
           <a:p>
             <a:r>
@@ -35910,13 +35915,8 @@
             </a:pPr>
             <a:r>
               <a:rPr lang="en-US" dirty="0"/>
-              <a:t>Obtain more venues to be used in </a:t>
+              <a:t>Obtain more venues to be used in categorization process</a:t>
             </a:r>
-            <a:r>
-              <a:rPr lang="en-US"/>
-              <a:t>categorization process</a:t>
-            </a:r>
-            <a:endParaRPr lang="en-US" dirty="0"/>
           </a:p>
           <a:p>
             <a:pPr lvl="2">
